--- a/Design/Libertas.pptx
+++ b/Design/Libertas.pptx
@@ -268,7 +268,7 @@
           <a:p>
             <a:fld id="{D4522698-FCA6-49C4-B2D5-FAB6DCB80E2E}" type="datetimeFigureOut">
               <a:rPr lang="en-US" smtClean="0"/>
-              <a:t>7/28/2020</a:t>
+              <a:t>7/29/2020</a:t>
             </a:fld>
             <a:endParaRPr lang="en-US"/>
           </a:p>
@@ -466,7 +466,7 @@
           <a:p>
             <a:fld id="{D4522698-FCA6-49C4-B2D5-FAB6DCB80E2E}" type="datetimeFigureOut">
               <a:rPr lang="en-US" smtClean="0"/>
-              <a:t>7/28/2020</a:t>
+              <a:t>7/29/2020</a:t>
             </a:fld>
             <a:endParaRPr lang="en-US"/>
           </a:p>
@@ -674,7 +674,7 @@
           <a:p>
             <a:fld id="{D4522698-FCA6-49C4-B2D5-FAB6DCB80E2E}" type="datetimeFigureOut">
               <a:rPr lang="en-US" smtClean="0"/>
-              <a:t>7/28/2020</a:t>
+              <a:t>7/29/2020</a:t>
             </a:fld>
             <a:endParaRPr lang="en-US"/>
           </a:p>
@@ -872,7 +872,7 @@
           <a:p>
             <a:fld id="{D4522698-FCA6-49C4-B2D5-FAB6DCB80E2E}" type="datetimeFigureOut">
               <a:rPr lang="en-US" smtClean="0"/>
-              <a:t>7/28/2020</a:t>
+              <a:t>7/29/2020</a:t>
             </a:fld>
             <a:endParaRPr lang="en-US"/>
           </a:p>
@@ -1147,7 +1147,7 @@
           <a:p>
             <a:fld id="{D4522698-FCA6-49C4-B2D5-FAB6DCB80E2E}" type="datetimeFigureOut">
               <a:rPr lang="en-US" smtClean="0"/>
-              <a:t>7/28/2020</a:t>
+              <a:t>7/29/2020</a:t>
             </a:fld>
             <a:endParaRPr lang="en-US"/>
           </a:p>
@@ -1412,7 +1412,7 @@
           <a:p>
             <a:fld id="{D4522698-FCA6-49C4-B2D5-FAB6DCB80E2E}" type="datetimeFigureOut">
               <a:rPr lang="en-US" smtClean="0"/>
-              <a:t>7/28/2020</a:t>
+              <a:t>7/29/2020</a:t>
             </a:fld>
             <a:endParaRPr lang="en-US"/>
           </a:p>
@@ -1824,7 +1824,7 @@
           <a:p>
             <a:fld id="{D4522698-FCA6-49C4-B2D5-FAB6DCB80E2E}" type="datetimeFigureOut">
               <a:rPr lang="en-US" smtClean="0"/>
-              <a:t>7/28/2020</a:t>
+              <a:t>7/29/2020</a:t>
             </a:fld>
             <a:endParaRPr lang="en-US"/>
           </a:p>
@@ -1965,7 +1965,7 @@
           <a:p>
             <a:fld id="{D4522698-FCA6-49C4-B2D5-FAB6DCB80E2E}" type="datetimeFigureOut">
               <a:rPr lang="en-US" smtClean="0"/>
-              <a:t>7/28/2020</a:t>
+              <a:t>7/29/2020</a:t>
             </a:fld>
             <a:endParaRPr lang="en-US"/>
           </a:p>
@@ -2078,7 +2078,7 @@
           <a:p>
             <a:fld id="{D4522698-FCA6-49C4-B2D5-FAB6DCB80E2E}" type="datetimeFigureOut">
               <a:rPr lang="en-US" smtClean="0"/>
-              <a:t>7/28/2020</a:t>
+              <a:t>7/29/2020</a:t>
             </a:fld>
             <a:endParaRPr lang="en-US"/>
           </a:p>
@@ -2389,7 +2389,7 @@
           <a:p>
             <a:fld id="{D4522698-FCA6-49C4-B2D5-FAB6DCB80E2E}" type="datetimeFigureOut">
               <a:rPr lang="en-US" smtClean="0"/>
-              <a:t>7/28/2020</a:t>
+              <a:t>7/29/2020</a:t>
             </a:fld>
             <a:endParaRPr lang="en-US"/>
           </a:p>
@@ -2677,7 +2677,7 @@
           <a:p>
             <a:fld id="{D4522698-FCA6-49C4-B2D5-FAB6DCB80E2E}" type="datetimeFigureOut">
               <a:rPr lang="en-US" smtClean="0"/>
-              <a:t>7/28/2020</a:t>
+              <a:t>7/29/2020</a:t>
             </a:fld>
             <a:endParaRPr lang="en-US"/>
           </a:p>
@@ -2918,7 +2918,7 @@
           <a:p>
             <a:fld id="{D4522698-FCA6-49C4-B2D5-FAB6DCB80E2E}" type="datetimeFigureOut">
               <a:rPr lang="en-US" smtClean="0"/>
-              <a:t>7/28/2020</a:t>
+              <a:t>7/29/2020</a:t>
             </a:fld>
             <a:endParaRPr lang="en-US"/>
           </a:p>

--- a/Design/Libertas.pptx
+++ b/Design/Libertas.pptx
@@ -268,7 +268,7 @@
           <a:p>
             <a:fld id="{D4522698-FCA6-49C4-B2D5-FAB6DCB80E2E}" type="datetimeFigureOut">
               <a:rPr lang="en-US" smtClean="0"/>
-              <a:t>7/29/2020</a:t>
+              <a:t>7/30/2020</a:t>
             </a:fld>
             <a:endParaRPr lang="en-US"/>
           </a:p>
@@ -466,7 +466,7 @@
           <a:p>
             <a:fld id="{D4522698-FCA6-49C4-B2D5-FAB6DCB80E2E}" type="datetimeFigureOut">
               <a:rPr lang="en-US" smtClean="0"/>
-              <a:t>7/29/2020</a:t>
+              <a:t>7/30/2020</a:t>
             </a:fld>
             <a:endParaRPr lang="en-US"/>
           </a:p>
@@ -674,7 +674,7 @@
           <a:p>
             <a:fld id="{D4522698-FCA6-49C4-B2D5-FAB6DCB80E2E}" type="datetimeFigureOut">
               <a:rPr lang="en-US" smtClean="0"/>
-              <a:t>7/29/2020</a:t>
+              <a:t>7/30/2020</a:t>
             </a:fld>
             <a:endParaRPr lang="en-US"/>
           </a:p>
@@ -872,7 +872,7 @@
           <a:p>
             <a:fld id="{D4522698-FCA6-49C4-B2D5-FAB6DCB80E2E}" type="datetimeFigureOut">
               <a:rPr lang="en-US" smtClean="0"/>
-              <a:t>7/29/2020</a:t>
+              <a:t>7/30/2020</a:t>
             </a:fld>
             <a:endParaRPr lang="en-US"/>
           </a:p>
@@ -1147,7 +1147,7 @@
           <a:p>
             <a:fld id="{D4522698-FCA6-49C4-B2D5-FAB6DCB80E2E}" type="datetimeFigureOut">
               <a:rPr lang="en-US" smtClean="0"/>
-              <a:t>7/29/2020</a:t>
+              <a:t>7/30/2020</a:t>
             </a:fld>
             <a:endParaRPr lang="en-US"/>
           </a:p>
@@ -1412,7 +1412,7 @@
           <a:p>
             <a:fld id="{D4522698-FCA6-49C4-B2D5-FAB6DCB80E2E}" type="datetimeFigureOut">
               <a:rPr lang="en-US" smtClean="0"/>
-              <a:t>7/29/2020</a:t>
+              <a:t>7/30/2020</a:t>
             </a:fld>
             <a:endParaRPr lang="en-US"/>
           </a:p>
@@ -1824,7 +1824,7 @@
           <a:p>
             <a:fld id="{D4522698-FCA6-49C4-B2D5-FAB6DCB80E2E}" type="datetimeFigureOut">
               <a:rPr lang="en-US" smtClean="0"/>
-              <a:t>7/29/2020</a:t>
+              <a:t>7/30/2020</a:t>
             </a:fld>
             <a:endParaRPr lang="en-US"/>
           </a:p>
@@ -1965,7 +1965,7 @@
           <a:p>
             <a:fld id="{D4522698-FCA6-49C4-B2D5-FAB6DCB80E2E}" type="datetimeFigureOut">
               <a:rPr lang="en-US" smtClean="0"/>
-              <a:t>7/29/2020</a:t>
+              <a:t>7/30/2020</a:t>
             </a:fld>
             <a:endParaRPr lang="en-US"/>
           </a:p>
@@ -2078,7 +2078,7 @@
           <a:p>
             <a:fld id="{D4522698-FCA6-49C4-B2D5-FAB6DCB80E2E}" type="datetimeFigureOut">
               <a:rPr lang="en-US" smtClean="0"/>
-              <a:t>7/29/2020</a:t>
+              <a:t>7/30/2020</a:t>
             </a:fld>
             <a:endParaRPr lang="en-US"/>
           </a:p>
@@ -2389,7 +2389,7 @@
           <a:p>
             <a:fld id="{D4522698-FCA6-49C4-B2D5-FAB6DCB80E2E}" type="datetimeFigureOut">
               <a:rPr lang="en-US" smtClean="0"/>
-              <a:t>7/29/2020</a:t>
+              <a:t>7/30/2020</a:t>
             </a:fld>
             <a:endParaRPr lang="en-US"/>
           </a:p>
@@ -2677,7 +2677,7 @@
           <a:p>
             <a:fld id="{D4522698-FCA6-49C4-B2D5-FAB6DCB80E2E}" type="datetimeFigureOut">
               <a:rPr lang="en-US" smtClean="0"/>
-              <a:t>7/29/2020</a:t>
+              <a:t>7/30/2020</a:t>
             </a:fld>
             <a:endParaRPr lang="en-US"/>
           </a:p>
@@ -2918,7 +2918,7 @@
           <a:p>
             <a:fld id="{D4522698-FCA6-49C4-B2D5-FAB6DCB80E2E}" type="datetimeFigureOut">
               <a:rPr lang="en-US" smtClean="0"/>
-              <a:t>7/29/2020</a:t>
+              <a:t>7/30/2020</a:t>
             </a:fld>
             <a:endParaRPr lang="en-US"/>
           </a:p>
@@ -3427,538 +3427,6 @@
       </p:sp>
       <p:sp>
         <p:nvSpPr>
-          <p:cNvPr id="16" name="Freeform: Shape 15">
-            <a:extLst>
-              <a:ext uri="{FF2B5EF4-FFF2-40B4-BE49-F238E27FC236}">
-                <a16:creationId xmlns:a16="http://schemas.microsoft.com/office/drawing/2014/main" id="{2A25036D-A7D7-4470-B478-F0FD2106CFF6}"/>
-              </a:ext>
-            </a:extLst>
-          </p:cNvPr>
-          <p:cNvSpPr/>
-          <p:nvPr/>
-        </p:nvSpPr>
-        <p:spPr>
-          <a:xfrm>
-            <a:off x="588751" y="449094"/>
-            <a:ext cx="555779" cy="327414"/>
-          </a:xfrm>
-          <a:custGeom>
-            <a:avLst/>
-            <a:gdLst>
-              <a:gd name="connsiteX0" fmla="*/ -106 w 7667911"/>
-              <a:gd name="connsiteY0" fmla="*/ 4482382 h 4517231"/>
-              <a:gd name="connsiteX1" fmla="*/ -106 w 7667911"/>
-              <a:gd name="connsiteY1" fmla="*/ 4465046 h 4517231"/>
-              <a:gd name="connsiteX2" fmla="*/ 59616 w 7667911"/>
-              <a:gd name="connsiteY2" fmla="*/ 4433138 h 4517231"/>
-              <a:gd name="connsiteX3" fmla="*/ 896673 w 7667911"/>
-              <a:gd name="connsiteY3" fmla="*/ 3907738 h 4517231"/>
-              <a:gd name="connsiteX4" fmla="*/ 2216362 w 7667911"/>
-              <a:gd name="connsiteY4" fmla="*/ 3074206 h 4517231"/>
-              <a:gd name="connsiteX5" fmla="*/ 2439723 w 7667911"/>
-              <a:gd name="connsiteY5" fmla="*/ 2902756 h 4517231"/>
-              <a:gd name="connsiteX6" fmla="*/ 2728045 w 7667911"/>
-              <a:gd name="connsiteY6" fmla="*/ 2700540 h 4517231"/>
-              <a:gd name="connsiteX7" fmla="*/ 2655369 w 7667911"/>
-              <a:gd name="connsiteY7" fmla="*/ 2682633 h 4517231"/>
-              <a:gd name="connsiteX8" fmla="*/ 1899941 w 7667911"/>
-              <a:gd name="connsiteY8" fmla="*/ 2476226 h 4517231"/>
-              <a:gd name="connsiteX9" fmla="*/ 997162 w 7667911"/>
-              <a:gd name="connsiteY9" fmla="*/ 1921585 h 4517231"/>
-              <a:gd name="connsiteX10" fmla="*/ 656357 w 7667911"/>
-              <a:gd name="connsiteY10" fmla="*/ 1593925 h 4517231"/>
-              <a:gd name="connsiteX11" fmla="*/ 367559 w 7667911"/>
-              <a:gd name="connsiteY11" fmla="*/ 1120438 h 4517231"/>
-              <a:gd name="connsiteX12" fmla="*/ 1737064 w 7667911"/>
-              <a:gd name="connsiteY12" fmla="*/ 1307318 h 4517231"/>
-              <a:gd name="connsiteX13" fmla="*/ 1720681 w 7667911"/>
-              <a:gd name="connsiteY13" fmla="*/ 1259693 h 4517231"/>
-              <a:gd name="connsiteX14" fmla="*/ 1391401 w 7667911"/>
-              <a:gd name="connsiteY14" fmla="*/ 742676 h 4517231"/>
-              <a:gd name="connsiteX15" fmla="*/ 1176232 w 7667911"/>
-              <a:gd name="connsiteY15" fmla="*/ 166985 h 4517231"/>
-              <a:gd name="connsiteX16" fmla="*/ 1289674 w 7667911"/>
-              <a:gd name="connsiteY16" fmla="*/ 188416 h 4517231"/>
-              <a:gd name="connsiteX17" fmla="*/ 2434770 w 7667911"/>
-              <a:gd name="connsiteY17" fmla="*/ 594372 h 4517231"/>
-              <a:gd name="connsiteX18" fmla="*/ 3321262 w 7667911"/>
-              <a:gd name="connsiteY18" fmla="*/ 915650 h 4517231"/>
-              <a:gd name="connsiteX19" fmla="*/ 4178512 w 7667911"/>
-              <a:gd name="connsiteY19" fmla="*/ 1214068 h 4517231"/>
-              <a:gd name="connsiteX20" fmla="*/ 4772681 w 7667911"/>
-              <a:gd name="connsiteY20" fmla="*/ 1433905 h 4517231"/>
-              <a:gd name="connsiteX21" fmla="*/ 5001281 w 7667911"/>
-              <a:gd name="connsiteY21" fmla="*/ 1412760 h 4517231"/>
-              <a:gd name="connsiteX22" fmla="*/ 6124469 w 7667911"/>
-              <a:gd name="connsiteY22" fmla="*/ 699432 h 4517231"/>
-              <a:gd name="connsiteX23" fmla="*/ 6746452 w 7667911"/>
-              <a:gd name="connsiteY23" fmla="*/ 692956 h 4517231"/>
-              <a:gd name="connsiteX24" fmla="*/ 6887517 w 7667911"/>
-              <a:gd name="connsiteY24" fmla="*/ 802779 h 4517231"/>
-              <a:gd name="connsiteX25" fmla="*/ 6753691 w 7667911"/>
-              <a:gd name="connsiteY25" fmla="*/ 139553 h 4517231"/>
-              <a:gd name="connsiteX26" fmla="*/ 7130690 w 7667911"/>
-              <a:gd name="connsiteY26" fmla="*/ 52590 h 4517231"/>
-              <a:gd name="connsiteX27" fmla="*/ 7338907 w 7667911"/>
-              <a:gd name="connsiteY27" fmla="*/ -274 h 4517231"/>
-              <a:gd name="connsiteX28" fmla="*/ 7425489 w 7667911"/>
-              <a:gd name="connsiteY28" fmla="*/ -274 h 4517231"/>
-              <a:gd name="connsiteX29" fmla="*/ 7508928 w 7667911"/>
-              <a:gd name="connsiteY29" fmla="*/ 394918 h 4517231"/>
-              <a:gd name="connsiteX30" fmla="*/ 7599987 w 7667911"/>
-              <a:gd name="connsiteY30" fmla="*/ 876598 h 4517231"/>
-              <a:gd name="connsiteX31" fmla="*/ 7667805 w 7667911"/>
-              <a:gd name="connsiteY31" fmla="*/ 1190351 h 4517231"/>
-              <a:gd name="connsiteX32" fmla="*/ 7316333 w 7667911"/>
-              <a:gd name="connsiteY32" fmla="*/ 1256359 h 4517231"/>
-              <a:gd name="connsiteX33" fmla="*/ 7000198 w 7667911"/>
-              <a:gd name="connsiteY33" fmla="*/ 1319796 h 4517231"/>
-              <a:gd name="connsiteX34" fmla="*/ 6889613 w 7667911"/>
-              <a:gd name="connsiteY34" fmla="*/ 820876 h 4517231"/>
-              <a:gd name="connsiteX35" fmla="*/ 6721020 w 7667911"/>
-              <a:gd name="connsiteY35" fmla="*/ 1033379 h 4517231"/>
-              <a:gd name="connsiteX36" fmla="*/ 6563191 w 7667911"/>
-              <a:gd name="connsiteY36" fmla="*/ 1533441 h 4517231"/>
-              <a:gd name="connsiteX37" fmla="*/ 6141233 w 7667911"/>
-              <a:gd name="connsiteY37" fmla="*/ 2548616 h 4517231"/>
-              <a:gd name="connsiteX38" fmla="*/ 5631741 w 7667911"/>
-              <a:gd name="connsiteY38" fmla="*/ 3033629 h 4517231"/>
-              <a:gd name="connsiteX39" fmla="*/ 4596278 w 7667911"/>
-              <a:gd name="connsiteY39" fmla="*/ 3627894 h 4517231"/>
-              <a:gd name="connsiteX40" fmla="*/ 4344056 w 7667911"/>
-              <a:gd name="connsiteY40" fmla="*/ 3730573 h 4517231"/>
-              <a:gd name="connsiteX41" fmla="*/ 3382793 w 7667911"/>
-              <a:gd name="connsiteY41" fmla="*/ 4031659 h 4517231"/>
-              <a:gd name="connsiteX42" fmla="*/ 2635462 w 7667911"/>
-              <a:gd name="connsiteY42" fmla="*/ 4154817 h 4517231"/>
-              <a:gd name="connsiteX43" fmla="*/ 2044054 w 7667911"/>
-              <a:gd name="connsiteY43" fmla="*/ 4273689 h 4517231"/>
-              <a:gd name="connsiteX44" fmla="*/ 1426168 w 7667911"/>
-              <a:gd name="connsiteY44" fmla="*/ 4388846 h 4517231"/>
-              <a:gd name="connsiteX45" fmla="*/ 519483 w 7667911"/>
-              <a:gd name="connsiteY45" fmla="*/ 4500098 h 4517231"/>
-              <a:gd name="connsiteX46" fmla="*/ 449950 w 7667911"/>
-              <a:gd name="connsiteY46" fmla="*/ 4516957 h 4517231"/>
-              <a:gd name="connsiteX47" fmla="*/ 328792 w 7667911"/>
-              <a:gd name="connsiteY47" fmla="*/ 4516957 h 4517231"/>
-            </a:gdLst>
-            <a:ahLst/>
-            <a:cxnLst>
-              <a:cxn ang="0">
-                <a:pos x="connsiteX0" y="connsiteY0"/>
-              </a:cxn>
-              <a:cxn ang="0">
-                <a:pos x="connsiteX1" y="connsiteY1"/>
-              </a:cxn>
-              <a:cxn ang="0">
-                <a:pos x="connsiteX2" y="connsiteY2"/>
-              </a:cxn>
-              <a:cxn ang="0">
-                <a:pos x="connsiteX3" y="connsiteY3"/>
-              </a:cxn>
-              <a:cxn ang="0">
-                <a:pos x="connsiteX4" y="connsiteY4"/>
-              </a:cxn>
-              <a:cxn ang="0">
-                <a:pos x="connsiteX5" y="connsiteY5"/>
-              </a:cxn>
-              <a:cxn ang="0">
-                <a:pos x="connsiteX6" y="connsiteY6"/>
-              </a:cxn>
-              <a:cxn ang="0">
-                <a:pos x="connsiteX7" y="connsiteY7"/>
-              </a:cxn>
-              <a:cxn ang="0">
-                <a:pos x="connsiteX8" y="connsiteY8"/>
-              </a:cxn>
-              <a:cxn ang="0">
-                <a:pos x="connsiteX9" y="connsiteY9"/>
-              </a:cxn>
-              <a:cxn ang="0">
-                <a:pos x="connsiteX10" y="connsiteY10"/>
-              </a:cxn>
-              <a:cxn ang="0">
-                <a:pos x="connsiteX11" y="connsiteY11"/>
-              </a:cxn>
-              <a:cxn ang="0">
-                <a:pos x="connsiteX12" y="connsiteY12"/>
-              </a:cxn>
-              <a:cxn ang="0">
-                <a:pos x="connsiteX13" y="connsiteY13"/>
-              </a:cxn>
-              <a:cxn ang="0">
-                <a:pos x="connsiteX14" y="connsiteY14"/>
-              </a:cxn>
-              <a:cxn ang="0">
-                <a:pos x="connsiteX15" y="connsiteY15"/>
-              </a:cxn>
-              <a:cxn ang="0">
-                <a:pos x="connsiteX16" y="connsiteY16"/>
-              </a:cxn>
-              <a:cxn ang="0">
-                <a:pos x="connsiteX17" y="connsiteY17"/>
-              </a:cxn>
-              <a:cxn ang="0">
-                <a:pos x="connsiteX18" y="connsiteY18"/>
-              </a:cxn>
-              <a:cxn ang="0">
-                <a:pos x="connsiteX19" y="connsiteY19"/>
-              </a:cxn>
-              <a:cxn ang="0">
-                <a:pos x="connsiteX20" y="connsiteY20"/>
-              </a:cxn>
-              <a:cxn ang="0">
-                <a:pos x="connsiteX21" y="connsiteY21"/>
-              </a:cxn>
-              <a:cxn ang="0">
-                <a:pos x="connsiteX22" y="connsiteY22"/>
-              </a:cxn>
-              <a:cxn ang="0">
-                <a:pos x="connsiteX23" y="connsiteY23"/>
-              </a:cxn>
-              <a:cxn ang="0">
-                <a:pos x="connsiteX24" y="connsiteY24"/>
-              </a:cxn>
-              <a:cxn ang="0">
-                <a:pos x="connsiteX25" y="connsiteY25"/>
-              </a:cxn>
-              <a:cxn ang="0">
-                <a:pos x="connsiteX26" y="connsiteY26"/>
-              </a:cxn>
-              <a:cxn ang="0">
-                <a:pos x="connsiteX27" y="connsiteY27"/>
-              </a:cxn>
-              <a:cxn ang="0">
-                <a:pos x="connsiteX28" y="connsiteY28"/>
-              </a:cxn>
-              <a:cxn ang="0">
-                <a:pos x="connsiteX29" y="connsiteY29"/>
-              </a:cxn>
-              <a:cxn ang="0">
-                <a:pos x="connsiteX30" y="connsiteY30"/>
-              </a:cxn>
-              <a:cxn ang="0">
-                <a:pos x="connsiteX31" y="connsiteY31"/>
-              </a:cxn>
-              <a:cxn ang="0">
-                <a:pos x="connsiteX32" y="connsiteY32"/>
-              </a:cxn>
-              <a:cxn ang="0">
-                <a:pos x="connsiteX33" y="connsiteY33"/>
-              </a:cxn>
-              <a:cxn ang="0">
-                <a:pos x="connsiteX34" y="connsiteY34"/>
-              </a:cxn>
-              <a:cxn ang="0">
-                <a:pos x="connsiteX35" y="connsiteY35"/>
-              </a:cxn>
-              <a:cxn ang="0">
-                <a:pos x="connsiteX36" y="connsiteY36"/>
-              </a:cxn>
-              <a:cxn ang="0">
-                <a:pos x="connsiteX37" y="connsiteY37"/>
-              </a:cxn>
-              <a:cxn ang="0">
-                <a:pos x="connsiteX38" y="connsiteY38"/>
-              </a:cxn>
-              <a:cxn ang="0">
-                <a:pos x="connsiteX39" y="connsiteY39"/>
-              </a:cxn>
-              <a:cxn ang="0">
-                <a:pos x="connsiteX40" y="connsiteY40"/>
-              </a:cxn>
-              <a:cxn ang="0">
-                <a:pos x="connsiteX41" y="connsiteY41"/>
-              </a:cxn>
-              <a:cxn ang="0">
-                <a:pos x="connsiteX42" y="connsiteY42"/>
-              </a:cxn>
-              <a:cxn ang="0">
-                <a:pos x="connsiteX43" y="connsiteY43"/>
-              </a:cxn>
-              <a:cxn ang="0">
-                <a:pos x="connsiteX44" y="connsiteY44"/>
-              </a:cxn>
-              <a:cxn ang="0">
-                <a:pos x="connsiteX45" y="connsiteY45"/>
-              </a:cxn>
-              <a:cxn ang="0">
-                <a:pos x="connsiteX46" y="connsiteY46"/>
-              </a:cxn>
-              <a:cxn ang="0">
-                <a:pos x="connsiteX47" y="connsiteY47"/>
-              </a:cxn>
-            </a:cxnLst>
-            <a:rect l="l" t="t" r="r" b="b"/>
-            <a:pathLst>
-              <a:path w="7667911" h="4517231">
-                <a:moveTo>
-                  <a:pt x="-106" y="4482382"/>
-                </a:moveTo>
-                <a:lnTo>
-                  <a:pt x="-106" y="4465046"/>
-                </a:lnTo>
-                <a:cubicBezTo>
-                  <a:pt x="19801" y="4454474"/>
-                  <a:pt x="40471" y="4445139"/>
-                  <a:pt x="59616" y="4433138"/>
-                </a:cubicBezTo>
-                <a:cubicBezTo>
-                  <a:pt x="339013" y="4258259"/>
-                  <a:pt x="618038" y="4083122"/>
-                  <a:pt x="896673" y="3907738"/>
-                </a:cubicBezTo>
-                <a:cubicBezTo>
-                  <a:pt x="1336918" y="3630466"/>
-                  <a:pt x="1777640" y="3353955"/>
-                  <a:pt x="2216362" y="3074206"/>
-                </a:cubicBezTo>
-                <a:cubicBezTo>
-                  <a:pt x="2295229" y="3023914"/>
-                  <a:pt x="2363809" y="2957810"/>
-                  <a:pt x="2439723" y="2902756"/>
-                </a:cubicBezTo>
-                <a:cubicBezTo>
-                  <a:pt x="2534973" y="2833033"/>
-                  <a:pt x="2633271" y="2766739"/>
-                  <a:pt x="2728045" y="2700540"/>
-                </a:cubicBezTo>
-                <a:cubicBezTo>
-                  <a:pt x="2704156" y="2693291"/>
-                  <a:pt x="2679896" y="2687310"/>
-                  <a:pt x="2655369" y="2682633"/>
-                </a:cubicBezTo>
-                <a:cubicBezTo>
-                  <a:pt x="2396536" y="2642761"/>
-                  <a:pt x="2143086" y="2573505"/>
-                  <a:pt x="1899941" y="2476226"/>
-                </a:cubicBezTo>
-                <a:cubicBezTo>
-                  <a:pt x="1569385" y="2344591"/>
-                  <a:pt x="1263985" y="2156958"/>
-                  <a:pt x="997162" y="1921585"/>
-                </a:cubicBezTo>
-                <a:cubicBezTo>
-                  <a:pt x="878861" y="1817572"/>
-                  <a:pt x="764752" y="1708130"/>
-                  <a:pt x="656357" y="1593925"/>
-                </a:cubicBezTo>
-                <a:cubicBezTo>
-                  <a:pt x="530056" y="1460575"/>
-                  <a:pt x="398611" y="1327987"/>
-                  <a:pt x="367559" y="1120438"/>
-                </a:cubicBezTo>
-                <a:lnTo>
-                  <a:pt x="1737064" y="1307318"/>
-                </a:lnTo>
-                <a:cubicBezTo>
-                  <a:pt x="1727539" y="1279981"/>
-                  <a:pt x="1726205" y="1269218"/>
-                  <a:pt x="1720681" y="1259693"/>
-                </a:cubicBezTo>
-                <a:cubicBezTo>
-                  <a:pt x="1611524" y="1086910"/>
-                  <a:pt x="1504844" y="912412"/>
-                  <a:pt x="1391401" y="742676"/>
-                </a:cubicBezTo>
-                <a:cubicBezTo>
-                  <a:pt x="1275768" y="569702"/>
-                  <a:pt x="1164802" y="396919"/>
-                  <a:pt x="1176232" y="166985"/>
-                </a:cubicBezTo>
-                <a:cubicBezTo>
-                  <a:pt x="1218427" y="174700"/>
-                  <a:pt x="1255861" y="176510"/>
-                  <a:pt x="1289674" y="188416"/>
-                </a:cubicBezTo>
-                <a:cubicBezTo>
-                  <a:pt x="1671693" y="322719"/>
-                  <a:pt x="2053389" y="458040"/>
-                  <a:pt x="2434770" y="594372"/>
-                </a:cubicBezTo>
-                <a:cubicBezTo>
-                  <a:pt x="2730616" y="700290"/>
-                  <a:pt x="3025320" y="810399"/>
-                  <a:pt x="3321262" y="915650"/>
-                </a:cubicBezTo>
-                <a:cubicBezTo>
-                  <a:pt x="3606345" y="1016901"/>
-                  <a:pt x="3893429" y="1112722"/>
-                  <a:pt x="4178512" y="1214068"/>
-                </a:cubicBezTo>
-                <a:cubicBezTo>
-                  <a:pt x="4377489" y="1284839"/>
-                  <a:pt x="4574085" y="1362182"/>
-                  <a:pt x="4772681" y="1433905"/>
-                </a:cubicBezTo>
-                <a:cubicBezTo>
-                  <a:pt x="4850405" y="1462004"/>
-                  <a:pt x="4925081" y="1461718"/>
-                  <a:pt x="5001281" y="1412760"/>
-                </a:cubicBezTo>
-                <a:cubicBezTo>
-                  <a:pt x="5373423" y="1171873"/>
-                  <a:pt x="5743469" y="926128"/>
-                  <a:pt x="6124469" y="699432"/>
-                </a:cubicBezTo>
-                <a:cubicBezTo>
-                  <a:pt x="6320303" y="582942"/>
-                  <a:pt x="6538616" y="563225"/>
-                  <a:pt x="6746452" y="692956"/>
-                </a:cubicBezTo>
-                <a:cubicBezTo>
-                  <a:pt x="6793220" y="722197"/>
-                  <a:pt x="6834082" y="760773"/>
-                  <a:pt x="6887517" y="802779"/>
-                </a:cubicBezTo>
-                <a:cubicBezTo>
-                  <a:pt x="6841512" y="574750"/>
-                  <a:pt x="6798554" y="362057"/>
-                  <a:pt x="6753691" y="139553"/>
-                </a:cubicBezTo>
-                <a:cubicBezTo>
-                  <a:pt x="6878373" y="110978"/>
-                  <a:pt x="7004674" y="82403"/>
-                  <a:pt x="7130690" y="52590"/>
-                </a:cubicBezTo>
-                <a:cubicBezTo>
-                  <a:pt x="7200413" y="36112"/>
-                  <a:pt x="7269564" y="17442"/>
-                  <a:pt x="7338907" y="-274"/>
-                </a:cubicBezTo>
-                <a:lnTo>
-                  <a:pt x="7425489" y="-274"/>
-                </a:lnTo>
-                <a:cubicBezTo>
-                  <a:pt x="7453397" y="131457"/>
-                  <a:pt x="7482639" y="262806"/>
-                  <a:pt x="7508928" y="394918"/>
-                </a:cubicBezTo>
-                <a:cubicBezTo>
-                  <a:pt x="7540551" y="555224"/>
-                  <a:pt x="7567126" y="716578"/>
-                  <a:pt x="7599987" y="876598"/>
-                </a:cubicBezTo>
-                <a:cubicBezTo>
-                  <a:pt x="7618371" y="965942"/>
-                  <a:pt x="7667805" y="1173015"/>
-                  <a:pt x="7667805" y="1190351"/>
-                </a:cubicBezTo>
-                <a:cubicBezTo>
-                  <a:pt x="7550647" y="1211115"/>
-                  <a:pt x="7433204" y="1234452"/>
-                  <a:pt x="7316333" y="1256359"/>
-                </a:cubicBezTo>
-                <a:cubicBezTo>
-                  <a:pt x="7211558" y="1276076"/>
-                  <a:pt x="7107735" y="1298174"/>
-                  <a:pt x="7000198" y="1319796"/>
-                </a:cubicBezTo>
-                <a:cubicBezTo>
-                  <a:pt x="6963622" y="1154823"/>
-                  <a:pt x="6929808" y="1001947"/>
-                  <a:pt x="6889613" y="820876"/>
-                </a:cubicBezTo>
-                <a:cubicBezTo>
-                  <a:pt x="6822938" y="902696"/>
-                  <a:pt x="6750547" y="959560"/>
-                  <a:pt x="6721020" y="1033379"/>
-                </a:cubicBezTo>
-                <a:cubicBezTo>
-                  <a:pt x="6656059" y="1195304"/>
-                  <a:pt x="6599005" y="1362944"/>
-                  <a:pt x="6563191" y="1533441"/>
-                </a:cubicBezTo>
-                <a:cubicBezTo>
-                  <a:pt x="6486133" y="1899868"/>
-                  <a:pt x="6417934" y="2267819"/>
-                  <a:pt x="6141233" y="2548616"/>
-                </a:cubicBezTo>
-                <a:cubicBezTo>
-                  <a:pt x="5976451" y="2715780"/>
-                  <a:pt x="5820241" y="2897803"/>
-                  <a:pt x="5631741" y="3033629"/>
-                </a:cubicBezTo>
-                <a:cubicBezTo>
-                  <a:pt x="5308558" y="3266801"/>
-                  <a:pt x="4971944" y="3482447"/>
-                  <a:pt x="4596278" y="3627894"/>
-                </a:cubicBezTo>
-                <a:cubicBezTo>
-                  <a:pt x="4511696" y="3660755"/>
-                  <a:pt x="4426638" y="3693140"/>
-                  <a:pt x="4344056" y="3730573"/>
-                </a:cubicBezTo>
-                <a:cubicBezTo>
-                  <a:pt x="4035827" y="3870210"/>
-                  <a:pt x="3717406" y="3976604"/>
-                  <a:pt x="3382793" y="4031659"/>
-                </a:cubicBezTo>
-                <a:cubicBezTo>
-                  <a:pt x="3133714" y="4072616"/>
-                  <a:pt x="2883969" y="4110335"/>
-                  <a:pt x="2635462" y="4154817"/>
-                </a:cubicBezTo>
-                <a:cubicBezTo>
-                  <a:pt x="2437627" y="4190345"/>
-                  <a:pt x="2241412" y="4235018"/>
-                  <a:pt x="2044054" y="4273689"/>
-                </a:cubicBezTo>
-                <a:cubicBezTo>
-                  <a:pt x="1838409" y="4313884"/>
-                  <a:pt x="1633432" y="4359414"/>
-                  <a:pt x="1426168" y="4388846"/>
-                </a:cubicBezTo>
-                <a:cubicBezTo>
-                  <a:pt x="1124797" y="4432090"/>
-                  <a:pt x="821711" y="4463141"/>
-                  <a:pt x="519483" y="4500098"/>
-                </a:cubicBezTo>
-                <a:cubicBezTo>
-                  <a:pt x="495985" y="4504318"/>
-                  <a:pt x="472772" y="4509947"/>
-                  <a:pt x="449950" y="4516957"/>
-                </a:cubicBezTo>
-                <a:lnTo>
-                  <a:pt x="328792" y="4516957"/>
-                </a:lnTo>
-                <a:close/>
-              </a:path>
-            </a:pathLst>
-          </a:custGeom>
-          <a:solidFill>
-            <a:schemeClr val="bg1"/>
-          </a:solidFill>
-          <a:ln w="9525" cap="flat">
-            <a:noFill/>
-            <a:prstDash val="solid"/>
-            <a:miter/>
-          </a:ln>
-          <a:effectLst>
-            <a:outerShdw blurRad="482600" dist="38100" dir="8100000" sx="86000" sy="86000" algn="tr" rotWithShape="0">
-              <a:prstClr val="black"/>
-            </a:outerShdw>
-            <a:reflection endPos="0" dist="50800" dir="5400000" sy="-100000" algn="bl" rotWithShape="0"/>
-          </a:effectLst>
-        </p:spPr>
-        <p:txBody>
-          <a:bodyPr rtlCol="0" anchor="ctr"/>
-          <a:lstStyle/>
-          <a:p>
-            <a:endParaRPr lang="en-US" dirty="0">
-              <a:effectLst>
-                <a:outerShdw blurRad="38100" dist="38100" dir="2700000" algn="tl">
-                  <a:srgbClr val="000000">
-                    <a:alpha val="43137"/>
-                  </a:srgbClr>
-                </a:outerShdw>
-              </a:effectLst>
-            </a:endParaRPr>
-          </a:p>
-        </p:txBody>
-      </p:sp>
-      <p:sp>
-        <p:nvSpPr>
           <p:cNvPr id="31" name="TextBox 30">
             <a:extLst>
               <a:ext uri="{FF2B5EF4-FFF2-40B4-BE49-F238E27FC236}">
@@ -4058,36 +3526,6 @@
           </a:p>
         </p:txBody>
       </p:sp>
-      <p:pic>
-        <p:nvPicPr>
-          <p:cNvPr id="7" name="Picture 6">
-            <a:extLst>
-              <a:ext uri="{FF2B5EF4-FFF2-40B4-BE49-F238E27FC236}">
-                <a16:creationId xmlns:a16="http://schemas.microsoft.com/office/drawing/2014/main" id="{2944C1A6-1668-46E0-B1A1-ABBFCD120764}"/>
-              </a:ext>
-            </a:extLst>
-          </p:cNvPr>
-          <p:cNvPicPr>
-            <a:picLocks noChangeAspect="1"/>
-          </p:cNvPicPr>
-          <p:nvPr/>
-        </p:nvPicPr>
-        <p:blipFill>
-          <a:blip r:embed="rId3"/>
-          <a:stretch>
-            <a:fillRect/>
-          </a:stretch>
-        </p:blipFill>
-        <p:spPr>
-          <a:xfrm>
-            <a:off x="7696377" y="2885278"/>
-            <a:ext cx="4841964" cy="4733019"/>
-          </a:xfrm>
-          <a:prstGeom prst="rect">
-            <a:avLst/>
-          </a:prstGeom>
-        </p:spPr>
-      </p:pic>
       <p:sp>
         <p:nvSpPr>
           <p:cNvPr id="35" name="TextBox 34">
@@ -4280,13 +3718,13 @@
           <p:nvPr/>
         </p:nvPicPr>
         <p:blipFill>
-          <a:blip r:embed="rId4">
+          <a:blip r:embed="rId3">
             <a:extLst>
               <a:ext uri="{28A0092B-C50C-407E-A947-70E740481C1C}">
                 <a14:useLocalDpi xmlns:a14="http://schemas.microsoft.com/office/drawing/2010/main" val="0"/>
               </a:ext>
               <a:ext uri="{96DAC541-7B7A-43D3-8B79-37D633B846F1}">
-                <asvg:svgBlip xmlns:asvg="http://schemas.microsoft.com/office/drawing/2016/SVG/main" r:embed="rId5"/>
+                <asvg:svgBlip xmlns:asvg="http://schemas.microsoft.com/office/drawing/2016/SVG/main" r:embed="rId4"/>
               </a:ext>
             </a:extLst>
           </a:blip>
@@ -4319,13 +3757,13 @@
           <p:nvPr/>
         </p:nvPicPr>
         <p:blipFill>
-          <a:blip r:embed="rId6">
+          <a:blip r:embed="rId5">
             <a:extLst>
               <a:ext uri="{28A0092B-C50C-407E-A947-70E740481C1C}">
                 <a14:useLocalDpi xmlns:a14="http://schemas.microsoft.com/office/drawing/2010/main" val="0"/>
               </a:ext>
               <a:ext uri="{96DAC541-7B7A-43D3-8B79-37D633B846F1}">
-                <asvg:svgBlip xmlns:asvg="http://schemas.microsoft.com/office/drawing/2016/SVG/main" r:embed="rId7"/>
+                <asvg:svgBlip xmlns:asvg="http://schemas.microsoft.com/office/drawing/2016/SVG/main" r:embed="rId6"/>
               </a:ext>
             </a:extLst>
           </a:blip>
@@ -4412,7 +3850,7 @@
           <p:nvPr/>
         </p:nvPicPr>
         <p:blipFill>
-          <a:blip r:embed="rId8"/>
+          <a:blip r:embed="rId7"/>
           <a:stretch>
             <a:fillRect/>
           </a:stretch>
@@ -4672,7 +4110,7 @@
                   </a:effectLst>
                   <a:latin typeface="Montserrat" panose="00000500000000000000" pitchFamily="50" charset="0"/>
                 </a:rPr>
-                <a:t>A Decentralized Content Sharing Platform.</a:t>
+                <a:t>A Decentralized Social Networking Platform.</a:t>
               </a:r>
             </a:p>
           </p:txBody>
@@ -5718,6 +5156,108 @@
           </p:txBody>
         </p:sp>
       </p:grpSp>
+      <p:pic>
+        <p:nvPicPr>
+          <p:cNvPr id="19" name="Picture 18">
+            <a:extLst>
+              <a:ext uri="{FF2B5EF4-FFF2-40B4-BE49-F238E27FC236}">
+                <a16:creationId xmlns:a16="http://schemas.microsoft.com/office/drawing/2014/main" id="{EDB8BCE2-B0A9-4E06-97DD-B577B41E9853}"/>
+              </a:ext>
+            </a:extLst>
+          </p:cNvPr>
+          <p:cNvPicPr>
+            <a:picLocks noChangeAspect="1"/>
+          </p:cNvPicPr>
+          <p:nvPr/>
+        </p:nvPicPr>
+        <p:blipFill rotWithShape="1">
+          <a:blip r:embed="rId8"/>
+          <a:srcRect l="7141" t="24039" r="7909" b="13810"/>
+          <a:stretch/>
+        </p:blipFill>
+        <p:spPr>
+          <a:xfrm>
+            <a:off x="8103537" y="4089869"/>
+            <a:ext cx="4010412" cy="2849768"/>
+          </a:xfrm>
+          <a:prstGeom prst="rect">
+            <a:avLst/>
+          </a:prstGeom>
+        </p:spPr>
+      </p:pic>
+      <p:pic>
+        <p:nvPicPr>
+          <p:cNvPr id="21" name="Picture 20" descr="A picture containing drawing&#10;&#10;Description automatically generated">
+            <a:extLst>
+              <a:ext uri="{FF2B5EF4-FFF2-40B4-BE49-F238E27FC236}">
+                <a16:creationId xmlns:a16="http://schemas.microsoft.com/office/drawing/2014/main" id="{5060EB76-3703-412E-96FD-ADC9CCCD7558}"/>
+              </a:ext>
+            </a:extLst>
+          </p:cNvPr>
+          <p:cNvPicPr>
+            <a:picLocks noChangeAspect="1"/>
+          </p:cNvPicPr>
+          <p:nvPr/>
+        </p:nvPicPr>
+        <p:blipFill>
+          <a:blip r:embed="rId9">
+            <a:extLst>
+              <a:ext uri="{28A0092B-C50C-407E-A947-70E740481C1C}">
+                <a14:useLocalDpi xmlns:a14="http://schemas.microsoft.com/office/drawing/2010/main" val="0"/>
+              </a:ext>
+            </a:extLst>
+          </a:blip>
+          <a:stretch>
+            <a:fillRect/>
+          </a:stretch>
+        </p:blipFill>
+        <p:spPr>
+          <a:xfrm>
+            <a:off x="672689" y="334732"/>
+            <a:ext cx="538215" cy="538215"/>
+          </a:xfrm>
+          <a:prstGeom prst="rect">
+            <a:avLst/>
+          </a:prstGeom>
+        </p:spPr>
+      </p:pic>
+      <p:pic>
+        <p:nvPicPr>
+          <p:cNvPr id="22" name="Picture 21" descr="A picture containing drawing&#10;&#10;Description automatically generated">
+            <a:extLst>
+              <a:ext uri="{FF2B5EF4-FFF2-40B4-BE49-F238E27FC236}">
+                <a16:creationId xmlns:a16="http://schemas.microsoft.com/office/drawing/2014/main" id="{207F00AE-E537-46D2-B79B-2B5CEE13CA49}"/>
+              </a:ext>
+            </a:extLst>
+          </p:cNvPr>
+          <p:cNvPicPr>
+            <a:picLocks noChangeAspect="1"/>
+          </p:cNvPicPr>
+          <p:nvPr/>
+        </p:nvPicPr>
+        <p:blipFill>
+          <a:blip r:embed="rId9">
+            <a:alphaModFix amt="5000"/>
+            <a:extLst>
+              <a:ext uri="{28A0092B-C50C-407E-A947-70E740481C1C}">
+                <a14:useLocalDpi xmlns:a14="http://schemas.microsoft.com/office/drawing/2010/main" val="0"/>
+              </a:ext>
+            </a:extLst>
+          </a:blip>
+          <a:stretch>
+            <a:fillRect/>
+          </a:stretch>
+        </p:blipFill>
+        <p:spPr>
+          <a:xfrm>
+            <a:off x="21665" y="-409807"/>
+            <a:ext cx="2188938" cy="2188938"/>
+          </a:xfrm>
+          <a:prstGeom prst="rect">
+            <a:avLst/>
+          </a:prstGeom>
+        </p:spPr>
+      </p:pic>
     </p:spTree>
     <p:extLst>
       <p:ext uri="{BB962C8B-B14F-4D97-AF65-F5344CB8AC3E}">

--- a/Design/Libertas.pptx
+++ b/Design/Libertas.pptx
@@ -268,7 +268,7 @@
           <a:p>
             <a:fld id="{D4522698-FCA6-49C4-B2D5-FAB6DCB80E2E}" type="datetimeFigureOut">
               <a:rPr lang="en-US" smtClean="0"/>
-              <a:t>7/30/2020</a:t>
+              <a:t>7/31/2020</a:t>
             </a:fld>
             <a:endParaRPr lang="en-US"/>
           </a:p>
@@ -466,7 +466,7 @@
           <a:p>
             <a:fld id="{D4522698-FCA6-49C4-B2D5-FAB6DCB80E2E}" type="datetimeFigureOut">
               <a:rPr lang="en-US" smtClean="0"/>
-              <a:t>7/30/2020</a:t>
+              <a:t>7/31/2020</a:t>
             </a:fld>
             <a:endParaRPr lang="en-US"/>
           </a:p>
@@ -674,7 +674,7 @@
           <a:p>
             <a:fld id="{D4522698-FCA6-49C4-B2D5-FAB6DCB80E2E}" type="datetimeFigureOut">
               <a:rPr lang="en-US" smtClean="0"/>
-              <a:t>7/30/2020</a:t>
+              <a:t>7/31/2020</a:t>
             </a:fld>
             <a:endParaRPr lang="en-US"/>
           </a:p>
@@ -872,7 +872,7 @@
           <a:p>
             <a:fld id="{D4522698-FCA6-49C4-B2D5-FAB6DCB80E2E}" type="datetimeFigureOut">
               <a:rPr lang="en-US" smtClean="0"/>
-              <a:t>7/30/2020</a:t>
+              <a:t>7/31/2020</a:t>
             </a:fld>
             <a:endParaRPr lang="en-US"/>
           </a:p>
@@ -1147,7 +1147,7 @@
           <a:p>
             <a:fld id="{D4522698-FCA6-49C4-B2D5-FAB6DCB80E2E}" type="datetimeFigureOut">
               <a:rPr lang="en-US" smtClean="0"/>
-              <a:t>7/30/2020</a:t>
+              <a:t>7/31/2020</a:t>
             </a:fld>
             <a:endParaRPr lang="en-US"/>
           </a:p>
@@ -1412,7 +1412,7 @@
           <a:p>
             <a:fld id="{D4522698-FCA6-49C4-B2D5-FAB6DCB80E2E}" type="datetimeFigureOut">
               <a:rPr lang="en-US" smtClean="0"/>
-              <a:t>7/30/2020</a:t>
+              <a:t>7/31/2020</a:t>
             </a:fld>
             <a:endParaRPr lang="en-US"/>
           </a:p>
@@ -1824,7 +1824,7 @@
           <a:p>
             <a:fld id="{D4522698-FCA6-49C4-B2D5-FAB6DCB80E2E}" type="datetimeFigureOut">
               <a:rPr lang="en-US" smtClean="0"/>
-              <a:t>7/30/2020</a:t>
+              <a:t>7/31/2020</a:t>
             </a:fld>
             <a:endParaRPr lang="en-US"/>
           </a:p>
@@ -1965,7 +1965,7 @@
           <a:p>
             <a:fld id="{D4522698-FCA6-49C4-B2D5-FAB6DCB80E2E}" type="datetimeFigureOut">
               <a:rPr lang="en-US" smtClean="0"/>
-              <a:t>7/30/2020</a:t>
+              <a:t>7/31/2020</a:t>
             </a:fld>
             <a:endParaRPr lang="en-US"/>
           </a:p>
@@ -2078,7 +2078,7 @@
           <a:p>
             <a:fld id="{D4522698-FCA6-49C4-B2D5-FAB6DCB80E2E}" type="datetimeFigureOut">
               <a:rPr lang="en-US" smtClean="0"/>
-              <a:t>7/30/2020</a:t>
+              <a:t>7/31/2020</a:t>
             </a:fld>
             <a:endParaRPr lang="en-US"/>
           </a:p>
@@ -2389,7 +2389,7 @@
           <a:p>
             <a:fld id="{D4522698-FCA6-49C4-B2D5-FAB6DCB80E2E}" type="datetimeFigureOut">
               <a:rPr lang="en-US" smtClean="0"/>
-              <a:t>7/30/2020</a:t>
+              <a:t>7/31/2020</a:t>
             </a:fld>
             <a:endParaRPr lang="en-US"/>
           </a:p>
@@ -2677,7 +2677,7 @@
           <a:p>
             <a:fld id="{D4522698-FCA6-49C4-B2D5-FAB6DCB80E2E}" type="datetimeFigureOut">
               <a:rPr lang="en-US" smtClean="0"/>
-              <a:t>7/30/2020</a:t>
+              <a:t>7/31/2020</a:t>
             </a:fld>
             <a:endParaRPr lang="en-US"/>
           </a:p>
@@ -2918,7 +2918,7 @@
           <a:p>
             <a:fld id="{D4522698-FCA6-49C4-B2D5-FAB6DCB80E2E}" type="datetimeFigureOut">
               <a:rPr lang="en-US" smtClean="0"/>
-              <a:t>7/30/2020</a:t>
+              <a:t>7/31/2020</a:t>
             </a:fld>
             <a:endParaRPr lang="en-US"/>
           </a:p>
@@ -3879,7 +3879,7 @@
         </p:nvGrpSpPr>
         <p:grpSpPr>
           <a:xfrm>
-            <a:off x="641442" y="3232821"/>
+            <a:off x="645296" y="3086397"/>
             <a:ext cx="3530793" cy="923330"/>
             <a:chOff x="603867" y="3051208"/>
             <a:chExt cx="3530793" cy="923330"/>
@@ -4130,7 +4130,7 @@
         </p:nvGrpSpPr>
         <p:grpSpPr>
           <a:xfrm>
-            <a:off x="631104" y="4416741"/>
+            <a:off x="631104" y="4241317"/>
             <a:ext cx="3564249" cy="923330"/>
             <a:chOff x="612205" y="4182789"/>
             <a:chExt cx="3564249" cy="923330"/>
@@ -4381,7 +4381,7 @@
         </p:nvGrpSpPr>
         <p:grpSpPr>
           <a:xfrm>
-            <a:off x="4317183" y="3231609"/>
+            <a:off x="4321037" y="3085185"/>
             <a:ext cx="3678659" cy="923330"/>
             <a:chOff x="620543" y="5252779"/>
             <a:chExt cx="3678659" cy="923330"/>
@@ -4668,7 +4668,7 @@
         </p:nvGrpSpPr>
         <p:grpSpPr>
           <a:xfrm>
-            <a:off x="4325521" y="4418935"/>
+            <a:off x="4325521" y="4243511"/>
             <a:ext cx="4188751" cy="923330"/>
             <a:chOff x="620543" y="5252779"/>
             <a:chExt cx="4188751" cy="923330"/>
@@ -4919,10 +4919,10 @@
         </p:nvGrpSpPr>
         <p:grpSpPr>
           <a:xfrm>
-            <a:off x="1969703" y="5704901"/>
-            <a:ext cx="5530372" cy="657590"/>
-            <a:chOff x="620543" y="5385649"/>
-            <a:chExt cx="5530372" cy="657590"/>
+            <a:off x="631104" y="5446369"/>
+            <a:ext cx="3702757" cy="830997"/>
+            <a:chOff x="620543" y="5268738"/>
+            <a:chExt cx="3619642" cy="830997"/>
           </a:xfrm>
         </p:grpSpPr>
         <p:sp>
@@ -4945,15 +4945,15 @@
             <a:custGeom>
               <a:avLst/>
               <a:gdLst>
-                <a:gd name="connsiteX0" fmla="*/ 0 w 657590"/>
+                <a:gd name="connsiteX0" fmla="*/ 0 w 672690"/>
                 <a:gd name="connsiteY0" fmla="*/ 328795 h 657590"/>
-                <a:gd name="connsiteX1" fmla="*/ 328795 w 657590"/>
+                <a:gd name="connsiteX1" fmla="*/ 336345 w 672690"/>
                 <a:gd name="connsiteY1" fmla="*/ 0 h 657590"/>
-                <a:gd name="connsiteX2" fmla="*/ 657590 w 657590"/>
+                <a:gd name="connsiteX2" fmla="*/ 672690 w 672690"/>
                 <a:gd name="connsiteY2" fmla="*/ 328795 h 657590"/>
-                <a:gd name="connsiteX3" fmla="*/ 328795 w 657590"/>
+                <a:gd name="connsiteX3" fmla="*/ 336345 w 672690"/>
                 <a:gd name="connsiteY3" fmla="*/ 657590 h 657590"/>
-                <a:gd name="connsiteX4" fmla="*/ 0 w 657590"/>
+                <a:gd name="connsiteX4" fmla="*/ 0 w 672690"/>
                 <a:gd name="connsiteY4" fmla="*/ 328795 h 657590"/>
               </a:gdLst>
               <a:ahLst/>
@@ -4976,27 +4976,27 @@
               </a:cxnLst>
               <a:rect l="l" t="t" r="r" b="b"/>
               <a:pathLst>
-                <a:path w="657590" h="657590" extrusionOk="0">
+                <a:path w="672690" h="657590" extrusionOk="0">
                   <a:moveTo>
                     <a:pt x="0" y="328795"/>
                   </a:moveTo>
                   <a:cubicBezTo>
-                    <a:pt x="-7641" y="125846"/>
-                    <a:pt x="143790" y="-41470"/>
-                    <a:pt x="328795" y="0"/>
+                    <a:pt x="-13648" y="109053"/>
+                    <a:pt x="149945" y="-7796"/>
+                    <a:pt x="336345" y="0"/>
                   </a:cubicBezTo>
                   <a:cubicBezTo>
-                    <a:pt x="501725" y="-2097"/>
-                    <a:pt x="615009" y="155227"/>
-                    <a:pt x="657590" y="328795"/>
+                    <a:pt x="513445" y="-2097"/>
+                    <a:pt x="630109" y="155227"/>
+                    <a:pt x="672690" y="328795"/>
                   </a:cubicBezTo>
                   <a:cubicBezTo>
-                    <a:pt x="666321" y="528854"/>
-                    <a:pt x="530820" y="649100"/>
-                    <a:pt x="328795" y="657590"/>
+                    <a:pt x="686990" y="540636"/>
+                    <a:pt x="543229" y="648814"/>
+                    <a:pt x="336345" y="657590"/>
                   </a:cubicBezTo>
                   <a:cubicBezTo>
-                    <a:pt x="187854" y="659513"/>
+                    <a:pt x="191234" y="659513"/>
                     <a:pt x="852" y="520122"/>
                     <a:pt x="0" y="328795"/>
                   </a:cubicBezTo>
@@ -5121,8 +5121,361 @@
           </p:nvSpPr>
           <p:spPr>
             <a:xfrm>
-              <a:off x="1444776" y="5396908"/>
-              <a:ext cx="4706139" cy="646331"/>
+              <a:off x="1332077" y="5268738"/>
+              <a:ext cx="2908108" cy="830997"/>
+            </a:xfrm>
+            <a:prstGeom prst="rect">
+              <a:avLst/>
+            </a:prstGeom>
+            <a:noFill/>
+            <a:effectLst/>
+          </p:spPr>
+          <p:txBody>
+            <a:bodyPr wrap="square" rtlCol="0">
+              <a:spAutoFit/>
+            </a:bodyPr>
+            <a:lstStyle/>
+            <a:p>
+              <a:r>
+                <a:rPr lang="en-US" sz="1600" b="1" dirty="0">
+                  <a:solidFill>
+                    <a:schemeClr val="bg1"/>
+                  </a:solidFill>
+                  <a:effectLst>
+                    <a:glow rad="63500">
+                      <a:schemeClr val="bg1">
+                        <a:alpha val="16000"/>
+                      </a:schemeClr>
+                    </a:glow>
+                  </a:effectLst>
+                  <a:latin typeface="Montserrat" panose="00000500000000000000" pitchFamily="50" charset="0"/>
+                </a:rPr>
+                <a:t>Stream money directly to your creators, monetizing every second.</a:t>
+              </a:r>
+            </a:p>
+          </p:txBody>
+        </p:sp>
+      </p:grpSp>
+      <p:pic>
+        <p:nvPicPr>
+          <p:cNvPr id="19" name="Picture 18">
+            <a:extLst>
+              <a:ext uri="{FF2B5EF4-FFF2-40B4-BE49-F238E27FC236}">
+                <a16:creationId xmlns:a16="http://schemas.microsoft.com/office/drawing/2014/main" id="{EDB8BCE2-B0A9-4E06-97DD-B577B41E9853}"/>
+              </a:ext>
+            </a:extLst>
+          </p:cNvPr>
+          <p:cNvPicPr>
+            <a:picLocks noChangeAspect="1"/>
+          </p:cNvPicPr>
+          <p:nvPr/>
+        </p:nvPicPr>
+        <p:blipFill rotWithShape="1">
+          <a:blip r:embed="rId8"/>
+          <a:srcRect l="7141" t="24039" r="7909" b="13810"/>
+          <a:stretch/>
+        </p:blipFill>
+        <p:spPr>
+          <a:xfrm>
+            <a:off x="8103537" y="4089869"/>
+            <a:ext cx="4010412" cy="2849768"/>
+          </a:xfrm>
+          <a:prstGeom prst="rect">
+            <a:avLst/>
+          </a:prstGeom>
+        </p:spPr>
+      </p:pic>
+      <p:pic>
+        <p:nvPicPr>
+          <p:cNvPr id="21" name="Picture 20" descr="A picture containing drawing&#10;&#10;Description automatically generated">
+            <a:extLst>
+              <a:ext uri="{FF2B5EF4-FFF2-40B4-BE49-F238E27FC236}">
+                <a16:creationId xmlns:a16="http://schemas.microsoft.com/office/drawing/2014/main" id="{5060EB76-3703-412E-96FD-ADC9CCCD7558}"/>
+              </a:ext>
+            </a:extLst>
+          </p:cNvPr>
+          <p:cNvPicPr>
+            <a:picLocks noChangeAspect="1"/>
+          </p:cNvPicPr>
+          <p:nvPr/>
+        </p:nvPicPr>
+        <p:blipFill>
+          <a:blip r:embed="rId9">
+            <a:extLst>
+              <a:ext uri="{28A0092B-C50C-407E-A947-70E740481C1C}">
+                <a14:useLocalDpi xmlns:a14="http://schemas.microsoft.com/office/drawing/2010/main" val="0"/>
+              </a:ext>
+            </a:extLst>
+          </a:blip>
+          <a:stretch>
+            <a:fillRect/>
+          </a:stretch>
+        </p:blipFill>
+        <p:spPr>
+          <a:xfrm>
+            <a:off x="672689" y="334732"/>
+            <a:ext cx="538215" cy="538215"/>
+          </a:xfrm>
+          <a:prstGeom prst="rect">
+            <a:avLst/>
+          </a:prstGeom>
+        </p:spPr>
+      </p:pic>
+      <p:pic>
+        <p:nvPicPr>
+          <p:cNvPr id="22" name="Picture 21" descr="A picture containing drawing&#10;&#10;Description automatically generated">
+            <a:extLst>
+              <a:ext uri="{FF2B5EF4-FFF2-40B4-BE49-F238E27FC236}">
+                <a16:creationId xmlns:a16="http://schemas.microsoft.com/office/drawing/2014/main" id="{207F00AE-E537-46D2-B79B-2B5CEE13CA49}"/>
+              </a:ext>
+            </a:extLst>
+          </p:cNvPr>
+          <p:cNvPicPr>
+            <a:picLocks noChangeAspect="1"/>
+          </p:cNvPicPr>
+          <p:nvPr/>
+        </p:nvPicPr>
+        <p:blipFill>
+          <a:blip r:embed="rId9">
+            <a:alphaModFix amt="5000"/>
+            <a:extLst>
+              <a:ext uri="{28A0092B-C50C-407E-A947-70E740481C1C}">
+                <a14:useLocalDpi xmlns:a14="http://schemas.microsoft.com/office/drawing/2010/main" val="0"/>
+              </a:ext>
+            </a:extLst>
+          </a:blip>
+          <a:stretch>
+            <a:fillRect/>
+          </a:stretch>
+        </p:blipFill>
+        <p:spPr>
+          <a:xfrm>
+            <a:off x="21665" y="-409807"/>
+            <a:ext cx="2188938" cy="2188938"/>
+          </a:xfrm>
+          <a:prstGeom prst="rect">
+            <a:avLst/>
+          </a:prstGeom>
+        </p:spPr>
+      </p:pic>
+      <p:grpSp>
+        <p:nvGrpSpPr>
+          <p:cNvPr id="36" name="Group 35">
+            <a:extLst>
+              <a:ext uri="{FF2B5EF4-FFF2-40B4-BE49-F238E27FC236}">
+                <a16:creationId xmlns:a16="http://schemas.microsoft.com/office/drawing/2014/main" id="{F0C976D9-B534-4403-92AF-24F6E27475DD}"/>
+              </a:ext>
+            </a:extLst>
+          </p:cNvPr>
+          <p:cNvGrpSpPr/>
+          <p:nvPr/>
+        </p:nvGrpSpPr>
+        <p:grpSpPr>
+          <a:xfrm>
+            <a:off x="4368609" y="5400202"/>
+            <a:ext cx="4188751" cy="923330"/>
+            <a:chOff x="620543" y="5252779"/>
+            <a:chExt cx="4188751" cy="923330"/>
+          </a:xfrm>
+        </p:grpSpPr>
+        <p:sp>
+          <p:nvSpPr>
+            <p:cNvPr id="37" name="Oval 36">
+              <a:extLst>
+                <a:ext uri="{FF2B5EF4-FFF2-40B4-BE49-F238E27FC236}">
+                  <a16:creationId xmlns:a16="http://schemas.microsoft.com/office/drawing/2014/main" id="{774E6DF3-18F4-4053-AB90-81919D0F5C13}"/>
+                </a:ext>
+              </a:extLst>
+            </p:cNvPr>
+            <p:cNvSpPr/>
+            <p:nvPr/>
+          </p:nvSpPr>
+          <p:spPr>
+            <a:xfrm>
+              <a:off x="620543" y="5385649"/>
+              <a:ext cx="657590" cy="657590"/>
+            </a:xfrm>
+            <a:custGeom>
+              <a:avLst/>
+              <a:gdLst>
+                <a:gd name="connsiteX0" fmla="*/ 0 w 657590"/>
+                <a:gd name="connsiteY0" fmla="*/ 328795 h 657590"/>
+                <a:gd name="connsiteX1" fmla="*/ 328795 w 657590"/>
+                <a:gd name="connsiteY1" fmla="*/ 0 h 657590"/>
+                <a:gd name="connsiteX2" fmla="*/ 657590 w 657590"/>
+                <a:gd name="connsiteY2" fmla="*/ 328795 h 657590"/>
+                <a:gd name="connsiteX3" fmla="*/ 328795 w 657590"/>
+                <a:gd name="connsiteY3" fmla="*/ 657590 h 657590"/>
+                <a:gd name="connsiteX4" fmla="*/ 0 w 657590"/>
+                <a:gd name="connsiteY4" fmla="*/ 328795 h 657590"/>
+              </a:gdLst>
+              <a:ahLst/>
+              <a:cxnLst>
+                <a:cxn ang="0">
+                  <a:pos x="connsiteX0" y="connsiteY0"/>
+                </a:cxn>
+                <a:cxn ang="0">
+                  <a:pos x="connsiteX1" y="connsiteY1"/>
+                </a:cxn>
+                <a:cxn ang="0">
+                  <a:pos x="connsiteX2" y="connsiteY2"/>
+                </a:cxn>
+                <a:cxn ang="0">
+                  <a:pos x="connsiteX3" y="connsiteY3"/>
+                </a:cxn>
+                <a:cxn ang="0">
+                  <a:pos x="connsiteX4" y="connsiteY4"/>
+                </a:cxn>
+              </a:cxnLst>
+              <a:rect l="l" t="t" r="r" b="b"/>
+              <a:pathLst>
+                <a:path w="657590" h="657590" extrusionOk="0">
+                  <a:moveTo>
+                    <a:pt x="0" y="328795"/>
+                  </a:moveTo>
+                  <a:cubicBezTo>
+                    <a:pt x="-7641" y="125846"/>
+                    <a:pt x="143790" y="-41470"/>
+                    <a:pt x="328795" y="0"/>
+                  </a:cubicBezTo>
+                  <a:cubicBezTo>
+                    <a:pt x="501725" y="-2097"/>
+                    <a:pt x="615009" y="155227"/>
+                    <a:pt x="657590" y="328795"/>
+                  </a:cubicBezTo>
+                  <a:cubicBezTo>
+                    <a:pt x="666321" y="528854"/>
+                    <a:pt x="530820" y="649100"/>
+                    <a:pt x="328795" y="657590"/>
+                  </a:cubicBezTo>
+                  <a:cubicBezTo>
+                    <a:pt x="187854" y="659513"/>
+                    <a:pt x="852" y="520122"/>
+                    <a:pt x="0" y="328795"/>
+                  </a:cubicBezTo>
+                  <a:close/>
+                </a:path>
+              </a:pathLst>
+            </a:custGeom>
+            <a:noFill/>
+            <a:ln>
+              <a:solidFill>
+                <a:schemeClr val="bg1"/>
+              </a:solidFill>
+              <a:extLst>
+                <a:ext uri="{C807C97D-BFC1-408E-A445-0C87EB9F89A2}">
+                  <ask:lineSketchStyleProps xmlns:ask="http://schemas.microsoft.com/office/drawing/2018/sketchyshapes" sd="264327539">
+                    <a:prstGeom prst="ellipse">
+                      <a:avLst/>
+                    </a:prstGeom>
+                    <ask:type>
+                      <ask:lineSketchFreehand/>
+                    </ask:type>
+                  </ask:lineSketchStyleProps>
+                </a:ext>
+              </a:extLst>
+            </a:ln>
+          </p:spPr>
+          <p:style>
+            <a:lnRef idx="2">
+              <a:schemeClr val="accent1">
+                <a:shade val="50000"/>
+              </a:schemeClr>
+            </a:lnRef>
+            <a:fillRef idx="1">
+              <a:schemeClr val="accent1"/>
+            </a:fillRef>
+            <a:effectRef idx="0">
+              <a:schemeClr val="accent1"/>
+            </a:effectRef>
+            <a:fontRef idx="minor">
+              <a:schemeClr val="lt1"/>
+            </a:fontRef>
+          </p:style>
+          <p:txBody>
+            <a:bodyPr rtlCol="0" anchor="ctr"/>
+            <a:lstStyle/>
+            <a:p>
+              <a:pPr algn="ctr"/>
+              <a:endParaRPr lang="en-US"/>
+            </a:p>
+          </p:txBody>
+        </p:sp>
+        <p:sp>
+          <p:nvSpPr>
+            <p:cNvPr id="38" name="TextBox 37">
+              <a:extLst>
+                <a:ext uri="{FF2B5EF4-FFF2-40B4-BE49-F238E27FC236}">
+                  <a16:creationId xmlns:a16="http://schemas.microsoft.com/office/drawing/2014/main" id="{F0FD4111-1CA8-4062-8111-C2E5E2DBFFFC}"/>
+                </a:ext>
+              </a:extLst>
+            </p:cNvPr>
+            <p:cNvSpPr txBox="1"/>
+            <p:nvPr/>
+          </p:nvSpPr>
+          <p:spPr>
+            <a:xfrm>
+              <a:off x="628881" y="5529778"/>
+              <a:ext cx="649252" cy="369332"/>
+            </a:xfrm>
+            <a:prstGeom prst="rect">
+              <a:avLst/>
+            </a:prstGeom>
+            <a:noFill/>
+            <a:effectLst/>
+          </p:spPr>
+          <p:txBody>
+            <a:bodyPr wrap="square">
+              <a:spAutoFit/>
+            </a:bodyPr>
+            <a:lstStyle/>
+            <a:p>
+              <a:pPr algn="ctr"/>
+              <a:r>
+                <a:rPr lang="en-US" b="1" spc="300" dirty="0">
+                  <a:solidFill>
+                    <a:schemeClr val="bg1"/>
+                  </a:solidFill>
+                  <a:effectLst>
+                    <a:glow rad="63500">
+                      <a:schemeClr val="bg1">
+                        <a:alpha val="16000"/>
+                      </a:schemeClr>
+                    </a:glow>
+                  </a:effectLst>
+                  <a:latin typeface="Product Sans" panose="020B0403030502040203" pitchFamily="34" charset="0"/>
+                </a:rPr>
+                <a:t>06</a:t>
+              </a:r>
+              <a:endParaRPr lang="en-US" b="1" spc="300" dirty="0">
+                <a:effectLst>
+                  <a:glow rad="63500">
+                    <a:schemeClr val="bg1">
+                      <a:alpha val="16000"/>
+                    </a:schemeClr>
+                  </a:glow>
+                </a:effectLst>
+                <a:latin typeface="Product Sans" panose="020B0403030502040203" pitchFamily="34" charset="0"/>
+              </a:endParaRPr>
+            </a:p>
+          </p:txBody>
+        </p:sp>
+        <p:sp>
+          <p:nvSpPr>
+            <p:cNvPr id="50" name="TextBox 49">
+              <a:extLst>
+                <a:ext uri="{FF2B5EF4-FFF2-40B4-BE49-F238E27FC236}">
+                  <a16:creationId xmlns:a16="http://schemas.microsoft.com/office/drawing/2014/main" id="{A38D4F43-A4F6-458C-A271-67C8FA8E96A5}"/>
+                </a:ext>
+              </a:extLst>
+            </p:cNvPr>
+            <p:cNvSpPr txBox="1"/>
+            <p:nvPr/>
+          </p:nvSpPr>
+          <p:spPr>
+            <a:xfrm>
+              <a:off x="1336808" y="5252779"/>
+              <a:ext cx="3472486" cy="923330"/>
             </a:xfrm>
             <a:prstGeom prst="rect">
               <a:avLst/>
@@ -5150,114 +5503,48 @@
                   </a:effectLst>
                   <a:latin typeface="Montserrat" panose="00000500000000000000" pitchFamily="50" charset="0"/>
                 </a:rPr>
-                <a:t>Stream money directly to your creators, monetizing every second.</a:t>
+                <a:t>Import your content</a:t>
+              </a:r>
+            </a:p>
+            <a:p>
+              <a:r>
+                <a:rPr lang="en-US" b="1" dirty="0">
+                  <a:solidFill>
+                    <a:schemeClr val="bg1"/>
+                  </a:solidFill>
+                  <a:effectLst>
+                    <a:glow rad="63500">
+                      <a:schemeClr val="bg1">
+                        <a:alpha val="16000"/>
+                      </a:schemeClr>
+                    </a:glow>
+                  </a:effectLst>
+                  <a:latin typeface="Montserrat" panose="00000500000000000000" pitchFamily="50" charset="0"/>
+                </a:rPr>
+                <a:t>from services like</a:t>
+              </a:r>
+            </a:p>
+            <a:p>
+              <a:r>
+                <a:rPr lang="en-US" b="1" dirty="0">
+                  <a:solidFill>
+                    <a:schemeClr val="bg1"/>
+                  </a:solidFill>
+                  <a:effectLst>
+                    <a:glow rad="63500">
+                      <a:schemeClr val="bg1">
+                        <a:alpha val="16000"/>
+                      </a:schemeClr>
+                    </a:glow>
+                  </a:effectLst>
+                  <a:latin typeface="Montserrat" panose="00000500000000000000" pitchFamily="50" charset="0"/>
+                </a:rPr>
+                <a:t>Medium seamlessly.</a:t>
               </a:r>
             </a:p>
           </p:txBody>
         </p:sp>
       </p:grpSp>
-      <p:pic>
-        <p:nvPicPr>
-          <p:cNvPr id="19" name="Picture 18">
-            <a:extLst>
-              <a:ext uri="{FF2B5EF4-FFF2-40B4-BE49-F238E27FC236}">
-                <a16:creationId xmlns:a16="http://schemas.microsoft.com/office/drawing/2014/main" id="{EDB8BCE2-B0A9-4E06-97DD-B577B41E9853}"/>
-              </a:ext>
-            </a:extLst>
-          </p:cNvPr>
-          <p:cNvPicPr>
-            <a:picLocks noChangeAspect="1"/>
-          </p:cNvPicPr>
-          <p:nvPr/>
-        </p:nvPicPr>
-        <p:blipFill rotWithShape="1">
-          <a:blip r:embed="rId8"/>
-          <a:srcRect l="7141" t="24039" r="7909" b="13810"/>
-          <a:stretch/>
-        </p:blipFill>
-        <p:spPr>
-          <a:xfrm>
-            <a:off x="8103537" y="4089869"/>
-            <a:ext cx="4010412" cy="2849768"/>
-          </a:xfrm>
-          <a:prstGeom prst="rect">
-            <a:avLst/>
-          </a:prstGeom>
-        </p:spPr>
-      </p:pic>
-      <p:pic>
-        <p:nvPicPr>
-          <p:cNvPr id="21" name="Picture 20" descr="A picture containing drawing&#10;&#10;Description automatically generated">
-            <a:extLst>
-              <a:ext uri="{FF2B5EF4-FFF2-40B4-BE49-F238E27FC236}">
-                <a16:creationId xmlns:a16="http://schemas.microsoft.com/office/drawing/2014/main" id="{5060EB76-3703-412E-96FD-ADC9CCCD7558}"/>
-              </a:ext>
-            </a:extLst>
-          </p:cNvPr>
-          <p:cNvPicPr>
-            <a:picLocks noChangeAspect="1"/>
-          </p:cNvPicPr>
-          <p:nvPr/>
-        </p:nvPicPr>
-        <p:blipFill>
-          <a:blip r:embed="rId9">
-            <a:extLst>
-              <a:ext uri="{28A0092B-C50C-407E-A947-70E740481C1C}">
-                <a14:useLocalDpi xmlns:a14="http://schemas.microsoft.com/office/drawing/2010/main" val="0"/>
-              </a:ext>
-            </a:extLst>
-          </a:blip>
-          <a:stretch>
-            <a:fillRect/>
-          </a:stretch>
-        </p:blipFill>
-        <p:spPr>
-          <a:xfrm>
-            <a:off x="672689" y="334732"/>
-            <a:ext cx="538215" cy="538215"/>
-          </a:xfrm>
-          <a:prstGeom prst="rect">
-            <a:avLst/>
-          </a:prstGeom>
-        </p:spPr>
-      </p:pic>
-      <p:pic>
-        <p:nvPicPr>
-          <p:cNvPr id="22" name="Picture 21" descr="A picture containing drawing&#10;&#10;Description automatically generated">
-            <a:extLst>
-              <a:ext uri="{FF2B5EF4-FFF2-40B4-BE49-F238E27FC236}">
-                <a16:creationId xmlns:a16="http://schemas.microsoft.com/office/drawing/2014/main" id="{207F00AE-E537-46D2-B79B-2B5CEE13CA49}"/>
-              </a:ext>
-            </a:extLst>
-          </p:cNvPr>
-          <p:cNvPicPr>
-            <a:picLocks noChangeAspect="1"/>
-          </p:cNvPicPr>
-          <p:nvPr/>
-        </p:nvPicPr>
-        <p:blipFill>
-          <a:blip r:embed="rId9">
-            <a:alphaModFix amt="5000"/>
-            <a:extLst>
-              <a:ext uri="{28A0092B-C50C-407E-A947-70E740481C1C}">
-                <a14:useLocalDpi xmlns:a14="http://schemas.microsoft.com/office/drawing/2010/main" val="0"/>
-              </a:ext>
-            </a:extLst>
-          </a:blip>
-          <a:stretch>
-            <a:fillRect/>
-          </a:stretch>
-        </p:blipFill>
-        <p:spPr>
-          <a:xfrm>
-            <a:off x="21665" y="-409807"/>
-            <a:ext cx="2188938" cy="2188938"/>
-          </a:xfrm>
-          <a:prstGeom prst="rect">
-            <a:avLst/>
-          </a:prstGeom>
-        </p:spPr>
-      </p:pic>
     </p:spTree>
     <p:extLst>
       <p:ext uri="{BB962C8B-B14F-4D97-AF65-F5344CB8AC3E}">

--- a/Design/Libertas.pptx
+++ b/Design/Libertas.pptx
@@ -268,7 +268,7 @@
           <a:p>
             <a:fld id="{D4522698-FCA6-49C4-B2D5-FAB6DCB80E2E}" type="datetimeFigureOut">
               <a:rPr lang="en-US" smtClean="0"/>
-              <a:t>7/31/2020</a:t>
+              <a:t>8/2/2020</a:t>
             </a:fld>
             <a:endParaRPr lang="en-US"/>
           </a:p>
@@ -466,7 +466,7 @@
           <a:p>
             <a:fld id="{D4522698-FCA6-49C4-B2D5-FAB6DCB80E2E}" type="datetimeFigureOut">
               <a:rPr lang="en-US" smtClean="0"/>
-              <a:t>7/31/2020</a:t>
+              <a:t>8/2/2020</a:t>
             </a:fld>
             <a:endParaRPr lang="en-US"/>
           </a:p>
@@ -674,7 +674,7 @@
           <a:p>
             <a:fld id="{D4522698-FCA6-49C4-B2D5-FAB6DCB80E2E}" type="datetimeFigureOut">
               <a:rPr lang="en-US" smtClean="0"/>
-              <a:t>7/31/2020</a:t>
+              <a:t>8/2/2020</a:t>
             </a:fld>
             <a:endParaRPr lang="en-US"/>
           </a:p>
@@ -872,7 +872,7 @@
           <a:p>
             <a:fld id="{D4522698-FCA6-49C4-B2D5-FAB6DCB80E2E}" type="datetimeFigureOut">
               <a:rPr lang="en-US" smtClean="0"/>
-              <a:t>7/31/2020</a:t>
+              <a:t>8/2/2020</a:t>
             </a:fld>
             <a:endParaRPr lang="en-US"/>
           </a:p>
@@ -1147,7 +1147,7 @@
           <a:p>
             <a:fld id="{D4522698-FCA6-49C4-B2D5-FAB6DCB80E2E}" type="datetimeFigureOut">
               <a:rPr lang="en-US" smtClean="0"/>
-              <a:t>7/31/2020</a:t>
+              <a:t>8/2/2020</a:t>
             </a:fld>
             <a:endParaRPr lang="en-US"/>
           </a:p>
@@ -1412,7 +1412,7 @@
           <a:p>
             <a:fld id="{D4522698-FCA6-49C4-B2D5-FAB6DCB80E2E}" type="datetimeFigureOut">
               <a:rPr lang="en-US" smtClean="0"/>
-              <a:t>7/31/2020</a:t>
+              <a:t>8/2/2020</a:t>
             </a:fld>
             <a:endParaRPr lang="en-US"/>
           </a:p>
@@ -1824,7 +1824,7 @@
           <a:p>
             <a:fld id="{D4522698-FCA6-49C4-B2D5-FAB6DCB80E2E}" type="datetimeFigureOut">
               <a:rPr lang="en-US" smtClean="0"/>
-              <a:t>7/31/2020</a:t>
+              <a:t>8/2/2020</a:t>
             </a:fld>
             <a:endParaRPr lang="en-US"/>
           </a:p>
@@ -1965,7 +1965,7 @@
           <a:p>
             <a:fld id="{D4522698-FCA6-49C4-B2D5-FAB6DCB80E2E}" type="datetimeFigureOut">
               <a:rPr lang="en-US" smtClean="0"/>
-              <a:t>7/31/2020</a:t>
+              <a:t>8/2/2020</a:t>
             </a:fld>
             <a:endParaRPr lang="en-US"/>
           </a:p>
@@ -2078,7 +2078,7 @@
           <a:p>
             <a:fld id="{D4522698-FCA6-49C4-B2D5-FAB6DCB80E2E}" type="datetimeFigureOut">
               <a:rPr lang="en-US" smtClean="0"/>
-              <a:t>7/31/2020</a:t>
+              <a:t>8/2/2020</a:t>
             </a:fld>
             <a:endParaRPr lang="en-US"/>
           </a:p>
@@ -2389,7 +2389,7 @@
           <a:p>
             <a:fld id="{D4522698-FCA6-49C4-B2D5-FAB6DCB80E2E}" type="datetimeFigureOut">
               <a:rPr lang="en-US" smtClean="0"/>
-              <a:t>7/31/2020</a:t>
+              <a:t>8/2/2020</a:t>
             </a:fld>
             <a:endParaRPr lang="en-US"/>
           </a:p>
@@ -2677,7 +2677,7 @@
           <a:p>
             <a:fld id="{D4522698-FCA6-49C4-B2D5-FAB6DCB80E2E}" type="datetimeFigureOut">
               <a:rPr lang="en-US" smtClean="0"/>
-              <a:t>7/31/2020</a:t>
+              <a:t>8/2/2020</a:t>
             </a:fld>
             <a:endParaRPr lang="en-US"/>
           </a:p>
@@ -2918,7 +2918,7 @@
           <a:p>
             <a:fld id="{D4522698-FCA6-49C4-B2D5-FAB6DCB80E2E}" type="datetimeFigureOut">
               <a:rPr lang="en-US" smtClean="0"/>
-              <a:t>7/31/2020</a:t>
+              <a:t>8/2/2020</a:t>
             </a:fld>
             <a:endParaRPr lang="en-US"/>
           </a:p>
@@ -4905,6 +4905,45 @@
           </p:txBody>
         </p:sp>
       </p:grpSp>
+      <p:pic>
+        <p:nvPicPr>
+          <p:cNvPr id="16" name="Graphic 15">
+            <a:extLst>
+              <a:ext uri="{FF2B5EF4-FFF2-40B4-BE49-F238E27FC236}">
+                <a16:creationId xmlns:a16="http://schemas.microsoft.com/office/drawing/2014/main" id="{E539EB20-67F1-4BF8-A491-C363B698D127}"/>
+              </a:ext>
+            </a:extLst>
+          </p:cNvPr>
+          <p:cNvPicPr>
+            <a:picLocks noChangeAspect="1"/>
+          </p:cNvPicPr>
+          <p:nvPr/>
+        </p:nvPicPr>
+        <p:blipFill>
+          <a:blip r:embed="rId8">
+            <a:extLst>
+              <a:ext uri="{28A0092B-C50C-407E-A947-70E740481C1C}">
+                <a14:useLocalDpi xmlns:a14="http://schemas.microsoft.com/office/drawing/2010/main" val="0"/>
+              </a:ext>
+              <a:ext uri="{96DAC541-7B7A-43D3-8B79-37D633B846F1}">
+                <asvg:svgBlip xmlns:asvg="http://schemas.microsoft.com/office/drawing/2016/SVG/main" r:embed="rId9"/>
+              </a:ext>
+            </a:extLst>
+          </a:blip>
+          <a:stretch>
+            <a:fillRect/>
+          </a:stretch>
+        </p:blipFill>
+        <p:spPr>
+          <a:xfrm>
+            <a:off x="-68096" y="19432"/>
+            <a:ext cx="1743934" cy="1041316"/>
+          </a:xfrm>
+          <a:prstGeom prst="rect">
+            <a:avLst/>
+          </a:prstGeom>
+        </p:spPr>
+      </p:pic>
       <p:grpSp>
         <p:nvGrpSpPr>
           <p:cNvPr id="45" name="Group 44">
@@ -4945,15 +4984,15 @@
             <a:custGeom>
               <a:avLst/>
               <a:gdLst>
-                <a:gd name="connsiteX0" fmla="*/ 0 w 672690"/>
+                <a:gd name="connsiteX0" fmla="*/ 0 w 657590"/>
                 <a:gd name="connsiteY0" fmla="*/ 328795 h 657590"/>
-                <a:gd name="connsiteX1" fmla="*/ 336345 w 672690"/>
+                <a:gd name="connsiteX1" fmla="*/ 328795 w 657590"/>
                 <a:gd name="connsiteY1" fmla="*/ 0 h 657590"/>
-                <a:gd name="connsiteX2" fmla="*/ 672690 w 672690"/>
+                <a:gd name="connsiteX2" fmla="*/ 657590 w 657590"/>
                 <a:gd name="connsiteY2" fmla="*/ 328795 h 657590"/>
-                <a:gd name="connsiteX3" fmla="*/ 336345 w 672690"/>
+                <a:gd name="connsiteX3" fmla="*/ 328795 w 657590"/>
                 <a:gd name="connsiteY3" fmla="*/ 657590 h 657590"/>
-                <a:gd name="connsiteX4" fmla="*/ 0 w 672690"/>
+                <a:gd name="connsiteX4" fmla="*/ 0 w 657590"/>
                 <a:gd name="connsiteY4" fmla="*/ 328795 h 657590"/>
               </a:gdLst>
               <a:ahLst/>
@@ -4976,27 +5015,27 @@
               </a:cxnLst>
               <a:rect l="l" t="t" r="r" b="b"/>
               <a:pathLst>
-                <a:path w="672690" h="657590" extrusionOk="0">
+                <a:path w="657590" h="657590" extrusionOk="0">
                   <a:moveTo>
                     <a:pt x="0" y="328795"/>
                   </a:moveTo>
                   <a:cubicBezTo>
-                    <a:pt x="-13648" y="109053"/>
-                    <a:pt x="149945" y="-7796"/>
-                    <a:pt x="336345" y="0"/>
+                    <a:pt x="-7641" y="125846"/>
+                    <a:pt x="143790" y="-41470"/>
+                    <a:pt x="328795" y="0"/>
                   </a:cubicBezTo>
                   <a:cubicBezTo>
-                    <a:pt x="513445" y="-2097"/>
-                    <a:pt x="630109" y="155227"/>
-                    <a:pt x="672690" y="328795"/>
+                    <a:pt x="501725" y="-2097"/>
+                    <a:pt x="615009" y="155227"/>
+                    <a:pt x="657590" y="328795"/>
                   </a:cubicBezTo>
                   <a:cubicBezTo>
-                    <a:pt x="686990" y="540636"/>
-                    <a:pt x="543229" y="648814"/>
-                    <a:pt x="336345" y="657590"/>
+                    <a:pt x="666321" y="528854"/>
+                    <a:pt x="530820" y="649100"/>
+                    <a:pt x="328795" y="657590"/>
                   </a:cubicBezTo>
                   <a:cubicBezTo>
-                    <a:pt x="191234" y="659513"/>
+                    <a:pt x="187854" y="659513"/>
                     <a:pt x="852" y="520122"/>
                     <a:pt x="0" y="328795"/>
                   </a:cubicBezTo>
@@ -5171,7 +5210,7 @@
           <p:nvPr/>
         </p:nvPicPr>
         <p:blipFill rotWithShape="1">
-          <a:blip r:embed="rId8"/>
+          <a:blip r:embed="rId10"/>
           <a:srcRect l="7141" t="24039" r="7909" b="13810"/>
           <a:stretch/>
         </p:blipFill>
@@ -5179,79 +5218,6 @@
           <a:xfrm>
             <a:off x="8103537" y="4089869"/>
             <a:ext cx="4010412" cy="2849768"/>
-          </a:xfrm>
-          <a:prstGeom prst="rect">
-            <a:avLst/>
-          </a:prstGeom>
-        </p:spPr>
-      </p:pic>
-      <p:pic>
-        <p:nvPicPr>
-          <p:cNvPr id="21" name="Picture 20" descr="A picture containing drawing&#10;&#10;Description automatically generated">
-            <a:extLst>
-              <a:ext uri="{FF2B5EF4-FFF2-40B4-BE49-F238E27FC236}">
-                <a16:creationId xmlns:a16="http://schemas.microsoft.com/office/drawing/2014/main" id="{5060EB76-3703-412E-96FD-ADC9CCCD7558}"/>
-              </a:ext>
-            </a:extLst>
-          </p:cNvPr>
-          <p:cNvPicPr>
-            <a:picLocks noChangeAspect="1"/>
-          </p:cNvPicPr>
-          <p:nvPr/>
-        </p:nvPicPr>
-        <p:blipFill>
-          <a:blip r:embed="rId9">
-            <a:extLst>
-              <a:ext uri="{28A0092B-C50C-407E-A947-70E740481C1C}">
-                <a14:useLocalDpi xmlns:a14="http://schemas.microsoft.com/office/drawing/2010/main" val="0"/>
-              </a:ext>
-            </a:extLst>
-          </a:blip>
-          <a:stretch>
-            <a:fillRect/>
-          </a:stretch>
-        </p:blipFill>
-        <p:spPr>
-          <a:xfrm>
-            <a:off x="672689" y="334732"/>
-            <a:ext cx="538215" cy="538215"/>
-          </a:xfrm>
-          <a:prstGeom prst="rect">
-            <a:avLst/>
-          </a:prstGeom>
-        </p:spPr>
-      </p:pic>
-      <p:pic>
-        <p:nvPicPr>
-          <p:cNvPr id="22" name="Picture 21" descr="A picture containing drawing&#10;&#10;Description automatically generated">
-            <a:extLst>
-              <a:ext uri="{FF2B5EF4-FFF2-40B4-BE49-F238E27FC236}">
-                <a16:creationId xmlns:a16="http://schemas.microsoft.com/office/drawing/2014/main" id="{207F00AE-E537-46D2-B79B-2B5CEE13CA49}"/>
-              </a:ext>
-            </a:extLst>
-          </p:cNvPr>
-          <p:cNvPicPr>
-            <a:picLocks noChangeAspect="1"/>
-          </p:cNvPicPr>
-          <p:nvPr/>
-        </p:nvPicPr>
-        <p:blipFill>
-          <a:blip r:embed="rId9">
-            <a:alphaModFix amt="5000"/>
-            <a:extLst>
-              <a:ext uri="{28A0092B-C50C-407E-A947-70E740481C1C}">
-                <a14:useLocalDpi xmlns:a14="http://schemas.microsoft.com/office/drawing/2010/main" val="0"/>
-              </a:ext>
-            </a:extLst>
-          </a:blip>
-          <a:stretch>
-            <a:fillRect/>
-          </a:stretch>
-        </p:blipFill>
-        <p:spPr>
-          <a:xfrm>
-            <a:off x="21665" y="-409807"/>
-            <a:ext cx="2188938" cy="2188938"/>
           </a:xfrm>
           <a:prstGeom prst="rect">
             <a:avLst/>
@@ -5545,6 +5511,45 @@
           </p:txBody>
         </p:sp>
       </p:grpSp>
+      <p:pic>
+        <p:nvPicPr>
+          <p:cNvPr id="9" name="Graphic 8">
+            <a:extLst>
+              <a:ext uri="{FF2B5EF4-FFF2-40B4-BE49-F238E27FC236}">
+                <a16:creationId xmlns:a16="http://schemas.microsoft.com/office/drawing/2014/main" id="{C6322461-D9DB-44F7-8928-9B08A9AAE673}"/>
+              </a:ext>
+            </a:extLst>
+          </p:cNvPr>
+          <p:cNvPicPr>
+            <a:picLocks noChangeAspect="1"/>
+          </p:cNvPicPr>
+          <p:nvPr/>
+        </p:nvPicPr>
+        <p:blipFill>
+          <a:blip r:embed="rId11">
+            <a:extLst>
+              <a:ext uri="{28A0092B-C50C-407E-A947-70E740481C1C}">
+                <a14:useLocalDpi xmlns:a14="http://schemas.microsoft.com/office/drawing/2010/main" val="0"/>
+              </a:ext>
+              <a:ext uri="{96DAC541-7B7A-43D3-8B79-37D633B846F1}">
+                <asvg:svgBlip xmlns:asvg="http://schemas.microsoft.com/office/drawing/2016/SVG/main" r:embed="rId12"/>
+              </a:ext>
+            </a:extLst>
+          </a:blip>
+          <a:stretch>
+            <a:fillRect/>
+          </a:stretch>
+        </p:blipFill>
+        <p:spPr>
+          <a:xfrm>
+            <a:off x="505351" y="363108"/>
+            <a:ext cx="666885" cy="398202"/>
+          </a:xfrm>
+          <a:prstGeom prst="rect">
+            <a:avLst/>
+          </a:prstGeom>
+        </p:spPr>
+      </p:pic>
     </p:spTree>
     <p:extLst>
       <p:ext uri="{BB962C8B-B14F-4D97-AF65-F5344CB8AC3E}">
